--- a/5.GestionDotaciones/CompraControlada/ReunionCompraCentralizada_2018/PRESENTACION CENTRALIZACION DOTACIONES 070319.pptx
+++ b/5.GestionDotaciones/CompraControlada/ReunionCompraCentralizada_2018/PRESENTACION CENTRALIZACION DOTACIONES 070319.pptx
@@ -238,7 +238,7 @@
           <a:p>
             <a:fld id="{4E814ADB-1833-4050-B190-0F967FB9A0CB}" type="datetimeFigureOut">
               <a:rPr lang="es-CO" smtClean="0"/>
-              <a:t>7/03/2019</a:t>
+              <a:t>12/03/19</a:t>
             </a:fld>
             <a:endParaRPr lang="es-CO"/>
           </a:p>
@@ -655,7 +655,7 @@
           <a:p>
             <a:fld id="{F62CE68D-CF43-3A46-8EAF-A9CA4608B997}" type="datetimeFigureOut">
               <a:rPr lang="es-ES_tradnl" smtClean="0"/>
-              <a:t>07/03/2019</a:t>
+              <a:t>12/3/19</a:t>
             </a:fld>
             <a:endParaRPr lang="es-ES_tradnl"/>
           </a:p>
@@ -830,7 +830,7 @@
           <a:p>
             <a:fld id="{F62CE68D-CF43-3A46-8EAF-A9CA4608B997}" type="datetimeFigureOut">
               <a:rPr lang="es-ES_tradnl" smtClean="0"/>
-              <a:t>07/03/2019</a:t>
+              <a:t>12/3/19</a:t>
             </a:fld>
             <a:endParaRPr lang="es-ES_tradnl"/>
           </a:p>
@@ -1015,7 +1015,7 @@
           <a:p>
             <a:fld id="{F62CE68D-CF43-3A46-8EAF-A9CA4608B997}" type="datetimeFigureOut">
               <a:rPr lang="es-ES_tradnl" smtClean="0"/>
-              <a:t>07/03/2019</a:t>
+              <a:t>12/3/19</a:t>
             </a:fld>
             <a:endParaRPr lang="es-ES_tradnl"/>
           </a:p>
@@ -1190,7 +1190,7 @@
           <a:p>
             <a:fld id="{F62CE68D-CF43-3A46-8EAF-A9CA4608B997}" type="datetimeFigureOut">
               <a:rPr lang="es-ES_tradnl" smtClean="0"/>
-              <a:t>07/03/2019</a:t>
+              <a:t>12/3/19</a:t>
             </a:fld>
             <a:endParaRPr lang="es-ES_tradnl"/>
           </a:p>
@@ -1470,7 +1470,7 @@
           <a:p>
             <a:fld id="{F62CE68D-CF43-3A46-8EAF-A9CA4608B997}" type="datetimeFigureOut">
               <a:rPr lang="es-ES_tradnl" smtClean="0"/>
-              <a:t>07/03/2019</a:t>
+              <a:t>12/3/19</a:t>
             </a:fld>
             <a:endParaRPr lang="es-ES_tradnl"/>
           </a:p>
@@ -1688,7 +1688,7 @@
           <a:p>
             <a:fld id="{F62CE68D-CF43-3A46-8EAF-A9CA4608B997}" type="datetimeFigureOut">
               <a:rPr lang="es-ES_tradnl" smtClean="0"/>
-              <a:t>07/03/2019</a:t>
+              <a:t>12/3/19</a:t>
             </a:fld>
             <a:endParaRPr lang="es-ES_tradnl"/>
           </a:p>
@@ -2061,7 +2061,7 @@
           <a:p>
             <a:fld id="{F62CE68D-CF43-3A46-8EAF-A9CA4608B997}" type="datetimeFigureOut">
               <a:rPr lang="es-ES_tradnl" smtClean="0"/>
-              <a:t>07/03/2019</a:t>
+              <a:t>12/3/19</a:t>
             </a:fld>
             <a:endParaRPr lang="es-ES_tradnl"/>
           </a:p>
@@ -2203,7 +2203,7 @@
           <a:p>
             <a:fld id="{F62CE68D-CF43-3A46-8EAF-A9CA4608B997}" type="datetimeFigureOut">
               <a:rPr lang="es-ES_tradnl" smtClean="0"/>
-              <a:t>07/03/2019</a:t>
+              <a:t>12/3/19</a:t>
             </a:fld>
             <a:endParaRPr lang="es-ES_tradnl"/>
           </a:p>
@@ -2316,7 +2316,7 @@
           <a:p>
             <a:fld id="{F62CE68D-CF43-3A46-8EAF-A9CA4608B997}" type="datetimeFigureOut">
               <a:rPr lang="es-ES_tradnl" smtClean="0"/>
-              <a:t>07/03/2019</a:t>
+              <a:t>12/3/19</a:t>
             </a:fld>
             <a:endParaRPr lang="es-ES_tradnl"/>
           </a:p>
@@ -2608,7 +2608,7 @@
           <a:p>
             <a:fld id="{F62CE68D-CF43-3A46-8EAF-A9CA4608B997}" type="datetimeFigureOut">
               <a:rPr lang="es-ES_tradnl" smtClean="0"/>
-              <a:t>07/03/2019</a:t>
+              <a:t>12/3/19</a:t>
             </a:fld>
             <a:endParaRPr lang="es-ES_tradnl"/>
           </a:p>
@@ -2901,7 +2901,7 @@
           <a:p>
             <a:fld id="{F62CE68D-CF43-3A46-8EAF-A9CA4608B997}" type="datetimeFigureOut">
               <a:rPr lang="es-ES_tradnl" smtClean="0"/>
-              <a:t>07/03/2019</a:t>
+              <a:t>12/3/19</a:t>
             </a:fld>
             <a:endParaRPr lang="es-ES_tradnl"/>
           </a:p>
@@ -3128,7 +3128,7 @@
           <a:p>
             <a:fld id="{F62CE68D-CF43-3A46-8EAF-A9CA4608B997}" type="datetimeFigureOut">
               <a:rPr lang="es-ES_tradnl" smtClean="0"/>
-              <a:t>07/03/2019</a:t>
+              <a:t>12/3/19</a:t>
             </a:fld>
             <a:endParaRPr lang="es-ES_tradnl"/>
           </a:p>
@@ -3757,22 +3757,13 @@
           <a:p>
             <a:pPr algn="ctr"/>
             <a:r>
-              <a:rPr lang="es-CO" sz="1333" dirty="0" smtClean="0">
+              <a:rPr lang="es-CO" sz="1333" dirty="0">
                 <a:solidFill>
                   <a:schemeClr val="tx1"/>
                 </a:solidFill>
                 <a:latin typeface="Arial Rounded MT Bold" panose="020F0704030504030204" pitchFamily="34" charset="0"/>
               </a:rPr>
-              <a:t>1</a:t>
-            </a:r>
-            <a:r>
-              <a:rPr lang="es-CO" sz="1333" dirty="0">
-                <a:solidFill>
-                  <a:schemeClr val="tx1"/>
-                </a:solidFill>
-                <a:latin typeface="Arial Rounded MT Bold" panose="020F0704030504030204" pitchFamily="34" charset="0"/>
-              </a:rPr>
-              <a:t>. Fortalecer el control para la adquisición de dotaciones para el desarrollo integral de la primera infancia </a:t>
+              <a:t>1. Fortalecer el control para la adquisición de dotaciones para el desarrollo integral de la primera infancia </a:t>
             </a:r>
           </a:p>
         </p:txBody>
@@ -13582,7 +13573,7 @@
           <a:p>
             <a:pPr algn="ctr"/>
             <a:r>
-              <a:rPr lang="es-CO" sz="4000" b="1" dirty="0" smtClean="0">
+              <a:rPr lang="es-CO" sz="4000" b="1" dirty="0">
                 <a:solidFill>
                   <a:srgbClr val="346232"/>
                 </a:solidFill>
@@ -13590,12 +13581,6 @@
               </a:rPr>
               <a:t>COMPRA</a:t>
             </a:r>
-            <a:endParaRPr lang="es-CO" sz="4000" b="1" dirty="0">
-              <a:solidFill>
-                <a:srgbClr val="346232"/>
-              </a:solidFill>
-              <a:latin typeface="Arial Rounded MT Bold" panose="020F0704030504030204" pitchFamily="34" charset="0"/>
-            </a:endParaRPr>
           </a:p>
           <a:p>
             <a:pPr algn="ctr"/>
@@ -13687,7 +13672,7 @@
               </a:lnSpc>
             </a:pPr>
             <a:r>
-              <a:rPr lang="en-US" sz="2800" b="1" dirty="0" smtClean="0">
+              <a:rPr lang="en-US" sz="2800" b="1" dirty="0">
                 <a:solidFill>
                   <a:srgbClr val="346232"/>
                 </a:solidFill>
@@ -13695,12 +13680,6 @@
               </a:rPr>
               <a:t>JUSTIFICACIÓN</a:t>
             </a:r>
-            <a:endParaRPr lang="en-US" sz="2800" b="1" dirty="0">
-              <a:solidFill>
-                <a:srgbClr val="346232"/>
-              </a:solidFill>
-              <a:latin typeface="Arial Rounded MT Bold" panose="020F0704030504030204" pitchFamily="34" charset="0"/>
-            </a:endParaRPr>
           </a:p>
         </p:txBody>
       </p:sp>
@@ -13738,20 +13717,11 @@
               </a:lnSpc>
             </a:pPr>
             <a:r>
-              <a:rPr lang="es-CO" dirty="0" smtClean="0">
+              <a:rPr lang="es-CO" dirty="0">
                 <a:latin typeface="Arial  "/>
               </a:rPr>
-              <a:t>Teniendo en cuenta </a:t>
-            </a:r>
-            <a:r>
-              <a:rPr lang="es-CO" dirty="0" smtClean="0">
-                <a:latin typeface="Arial  "/>
-              </a:rPr>
-              <a:t>la creciente necesidad de garantizar un permanente servicio de calidad en el marco de la atención a la primera infancia, se establece la prioridad del desarrollo estrategias administrativas, técnicas y financieras para que la adquisición de dotación de primera infancia cumpla con los referentes de calidad establecidos.</a:t>
-            </a:r>
-            <a:endParaRPr lang="es-CO" dirty="0">
-              <a:latin typeface="Arial  "/>
-            </a:endParaRPr>
+              <a:t>Teniendo en cuenta la creciente necesidad de garantizar un permanente servicio de calidad en el marco de la atención a la primera infancia, se establece la prioridad del desarrollo estrategias administrativas, técnicas y financieras para que la adquisición de dotación de primera infancia cumpla con los referentes de calidad establecidos.</a:t>
+            </a:r>
           </a:p>
         </p:txBody>
       </p:sp>
@@ -13769,7 +13739,7 @@
         </p:nvSpPr>
         <p:spPr>
           <a:xfrm>
-            <a:off x="290286" y="2269827"/>
+            <a:off x="290286" y="2124687"/>
             <a:ext cx="10764149" cy="480131"/>
           </a:xfrm>
           <a:prstGeom prst="rect">
@@ -13814,7 +13784,7 @@
         </p:nvSpPr>
         <p:spPr>
           <a:xfrm>
-            <a:off x="1" y="2883876"/>
+            <a:off x="1" y="2738736"/>
             <a:ext cx="3530992" cy="599244"/>
           </a:xfrm>
           <a:prstGeom prst="homePlate">
@@ -13868,7 +13838,7 @@
         </p:nvSpPr>
         <p:spPr>
           <a:xfrm>
-            <a:off x="124266" y="2943432"/>
+            <a:off x="124266" y="2798292"/>
             <a:ext cx="3406726" cy="480131"/>
           </a:xfrm>
           <a:prstGeom prst="rect">
@@ -13913,7 +13883,7 @@
         </p:nvSpPr>
         <p:spPr>
           <a:xfrm>
-            <a:off x="0" y="4633567"/>
+            <a:off x="0" y="4488427"/>
             <a:ext cx="3530992" cy="599244"/>
           </a:xfrm>
           <a:prstGeom prst="homePlate">
@@ -13967,7 +13937,7 @@
         </p:nvSpPr>
         <p:spPr>
           <a:xfrm>
-            <a:off x="124265" y="4693123"/>
+            <a:off x="124265" y="4547983"/>
             <a:ext cx="3406726" cy="480131"/>
           </a:xfrm>
           <a:prstGeom prst="rect">
@@ -14012,7 +13982,7 @@
         </p:nvSpPr>
         <p:spPr>
           <a:xfrm>
-            <a:off x="1827628" y="5320058"/>
+            <a:off x="1827628" y="5174918"/>
             <a:ext cx="8857398" cy="1338828"/>
           </a:xfrm>
           <a:prstGeom prst="rect">
@@ -14034,25 +14004,11 @@
               <a:buChar char="-"/>
             </a:pPr>
             <a:r>
-              <a:rPr lang="es-CO" dirty="0" smtClean="0">
-                <a:latin typeface="Arial" panose="020B0604020202020204" pitchFamily="34" charset="0"/>
-                <a:cs typeface="Arial" panose="020B0604020202020204" pitchFamily="34" charset="0"/>
-              </a:rPr>
-              <a:t>Aumentar </a:t>
-            </a:r>
-            <a:r>
               <a:rPr lang="es-CO" dirty="0">
                 <a:latin typeface="Arial" panose="020B0604020202020204" pitchFamily="34" charset="0"/>
                 <a:cs typeface="Arial" panose="020B0604020202020204" pitchFamily="34" charset="0"/>
               </a:rPr>
-              <a:t>cumplimiento a los procesos de adquisiciones de dotaciones en las regionales, centros zonales y </a:t>
-            </a:r>
-            <a:r>
-              <a:rPr lang="es-CO" dirty="0" smtClean="0">
-                <a:latin typeface="Arial" panose="020B0604020202020204" pitchFamily="34" charset="0"/>
-                <a:cs typeface="Arial" panose="020B0604020202020204" pitchFamily="34" charset="0"/>
-              </a:rPr>
-              <a:t>EAS</a:t>
+              <a:t>Aumentar cumplimiento a los procesos de adquisiciones de dotaciones en las regionales, centros zonales y EAS</a:t>
             </a:r>
           </a:p>
           <a:p>
@@ -14084,19 +14040,8 @@
                 <a:latin typeface="Arial" panose="020B0604020202020204" pitchFamily="34" charset="0"/>
                 <a:cs typeface="Arial" panose="020B0604020202020204" pitchFamily="34" charset="0"/>
               </a:rPr>
-              <a:t>Aumentar conocimiento técnico del talento humano en regionales y centros zonales para la adquisición de dotación para la primera </a:t>
-            </a:r>
-            <a:r>
-              <a:rPr lang="es-CO" dirty="0" smtClean="0">
-                <a:latin typeface="Arial" panose="020B0604020202020204" pitchFamily="34" charset="0"/>
-                <a:cs typeface="Arial" panose="020B0604020202020204" pitchFamily="34" charset="0"/>
-              </a:rPr>
-              <a:t>infancia</a:t>
-            </a:r>
-            <a:endParaRPr lang="es-CO" dirty="0">
-              <a:latin typeface="Arial" panose="020B0604020202020204" pitchFamily="34" charset="0"/>
-              <a:cs typeface="Arial" panose="020B0604020202020204" pitchFamily="34" charset="0"/>
-            </a:endParaRPr>
+              <a:t>Aumentar conocimiento técnico del talento humano en regionales y centros zonales para la adquisición de dotación para la primera infancia</a:t>
+            </a:r>
           </a:p>
         </p:txBody>
       </p:sp>
@@ -14114,7 +14059,7 @@
         </p:nvSpPr>
         <p:spPr>
           <a:xfrm>
-            <a:off x="553550" y="3686250"/>
+            <a:off x="553550" y="3541110"/>
             <a:ext cx="10764149" cy="707886"/>
           </a:xfrm>
           <a:prstGeom prst="rect">
@@ -14134,26 +14079,8 @@
                 <a:latin typeface="Arial" panose="020B0604020202020204" pitchFamily="34" charset="0"/>
                 <a:cs typeface="Arial" panose="020B0604020202020204" pitchFamily="34" charset="0"/>
               </a:rPr>
-              <a:t>Fortalecer el control para la </a:t>
-            </a:r>
-            <a:r>
-              <a:rPr lang="es-CO" sz="2000" dirty="0" smtClean="0">
-                <a:latin typeface="Arial" panose="020B0604020202020204" pitchFamily="34" charset="0"/>
-                <a:cs typeface="Arial" panose="020B0604020202020204" pitchFamily="34" charset="0"/>
-              </a:rPr>
-              <a:t>adquisición </a:t>
-            </a:r>
-            <a:r>
-              <a:rPr lang="es-CO" sz="2000" dirty="0">
-                <a:latin typeface="Arial" panose="020B0604020202020204" pitchFamily="34" charset="0"/>
-                <a:cs typeface="Arial" panose="020B0604020202020204" pitchFamily="34" charset="0"/>
-              </a:rPr>
-              <a:t>de dotaciones para el desarrollo integral de la primera infancia </a:t>
-            </a:r>
-            <a:endParaRPr lang="es-CO" sz="2000" dirty="0">
-              <a:latin typeface="Arial" panose="020B0604020202020204" pitchFamily="34" charset="0"/>
-              <a:cs typeface="Arial" panose="020B0604020202020204" pitchFamily="34" charset="0"/>
-            </a:endParaRPr>
+              <a:t>Fortalecer el control para la adquisición de dotaciones para el desarrollo integral de la primera infancia </a:t>
+            </a:r>
           </a:p>
         </p:txBody>
       </p:sp>
@@ -14221,7 +14148,7 @@
               </a:lnSpc>
             </a:pPr>
             <a:r>
-              <a:rPr lang="en-US" sz="2800" b="1" dirty="0" smtClean="0">
+              <a:rPr lang="en-US" sz="2800" b="1" dirty="0">
                 <a:solidFill>
                   <a:srgbClr val="346232"/>
                 </a:solidFill>
@@ -14229,12 +14156,6 @@
               </a:rPr>
               <a:t>ARBOL DE PROBLEMA</a:t>
             </a:r>
-            <a:endParaRPr lang="en-US" sz="2800" b="1" dirty="0">
-              <a:solidFill>
-                <a:srgbClr val="346232"/>
-              </a:solidFill>
-              <a:latin typeface="Arial Rounded MT Bold" panose="020F0704030504030204" pitchFamily="34" charset="0"/>
-            </a:endParaRPr>
           </a:p>
         </p:txBody>
       </p:sp>
@@ -14682,25 +14603,8 @@
                 <a:latin typeface="Arial" panose="020B0604020202020204" pitchFamily="34" charset="0"/>
                 <a:cs typeface="Arial" panose="020B0604020202020204" pitchFamily="34" charset="0"/>
               </a:rPr>
-              <a:t>CD</a:t>
-            </a:r>
-            <a:r>
-              <a:rPr lang="es-CO" sz="1200" dirty="0" smtClean="0">
-                <a:solidFill>
-                  <a:schemeClr val="tx1"/>
-                </a:solidFill>
-                <a:latin typeface="Arial" panose="020B0604020202020204" pitchFamily="34" charset="0"/>
-                <a:cs typeface="Arial" panose="020B0604020202020204" pitchFamily="34" charset="0"/>
-              </a:rPr>
-              <a:t>: Baja calidad de la dotación adquirida para la atención a la primera infancia  </a:t>
-            </a:r>
-            <a:endParaRPr lang="es-CO" sz="1200" dirty="0">
-              <a:solidFill>
-                <a:schemeClr val="tx1"/>
-              </a:solidFill>
-              <a:latin typeface="Arial" panose="020B0604020202020204" pitchFamily="34" charset="0"/>
-              <a:cs typeface="Arial" panose="020B0604020202020204" pitchFamily="34" charset="0"/>
-            </a:endParaRPr>
+              <a:t>CD: Baja calidad de la dotación adquirida para la atención a la primera infancia  </a:t>
+            </a:r>
           </a:p>
         </p:txBody>
       </p:sp>
@@ -15013,25 +14917,8 @@
                 <a:latin typeface="Arial" panose="020B0604020202020204" pitchFamily="34" charset="0"/>
                 <a:cs typeface="Arial" panose="020B0604020202020204" pitchFamily="34" charset="0"/>
               </a:rPr>
-              <a:t>CD: </a:t>
-            </a:r>
-            <a:r>
-              <a:rPr lang="es-CO" sz="1200" dirty="0" smtClean="0">
-                <a:solidFill>
-                  <a:schemeClr val="tx1"/>
-                </a:solidFill>
-                <a:latin typeface="Arial" panose="020B0604020202020204" pitchFamily="34" charset="0"/>
-                <a:cs typeface="Arial" panose="020B0604020202020204" pitchFamily="34" charset="0"/>
-              </a:rPr>
-              <a:t>Bajo conocimiento técnico del talento humano en regionales y centros zonales para la adquisición de dotación para la primera infancia</a:t>
-            </a:r>
-            <a:endParaRPr lang="es-CO" sz="1200" dirty="0">
-              <a:solidFill>
-                <a:schemeClr val="tx1"/>
-              </a:solidFill>
-              <a:latin typeface="Arial" panose="020B0604020202020204" pitchFamily="34" charset="0"/>
-              <a:cs typeface="Arial" panose="020B0604020202020204" pitchFamily="34" charset="0"/>
-            </a:endParaRPr>
+              <a:t>CD: Bajo conocimiento técnico del talento humano en regionales y centros zonales para la adquisición de dotación para la primera infancia</a:t>
+            </a:r>
           </a:p>
         </p:txBody>
       </p:sp>
@@ -15155,35 +15042,8 @@
                 <a:latin typeface="Arial" panose="020B0604020202020204" pitchFamily="34" charset="0"/>
                 <a:cs typeface="Arial" panose="020B0604020202020204" pitchFamily="34" charset="0"/>
               </a:rPr>
-              <a:t>ED: </a:t>
-            </a:r>
-            <a:r>
-              <a:rPr lang="es-CO" sz="1200" dirty="0" smtClean="0">
-                <a:solidFill>
-                  <a:schemeClr val="tx1"/>
-                </a:solidFill>
-                <a:latin typeface="Arial" panose="020B0604020202020204" pitchFamily="34" charset="0"/>
-                <a:cs typeface="Arial" panose="020B0604020202020204" pitchFamily="34" charset="0"/>
-              </a:rPr>
-              <a:t>Bajo conocimiento de la destinación de recursos asignados para la primera infancia</a:t>
-            </a:r>
-            <a:r>
-              <a:rPr lang="es-CO" sz="1200" dirty="0" smtClean="0">
-                <a:solidFill>
-                  <a:schemeClr val="tx1"/>
-                </a:solidFill>
-                <a:latin typeface="Arial" panose="020B0604020202020204" pitchFamily="34" charset="0"/>
-                <a:cs typeface="Arial" panose="020B0604020202020204" pitchFamily="34" charset="0"/>
-              </a:rPr>
-              <a:t> </a:t>
-            </a:r>
-            <a:endParaRPr lang="es-CO" sz="1200" dirty="0">
-              <a:solidFill>
-                <a:schemeClr val="tx1"/>
-              </a:solidFill>
-              <a:latin typeface="Arial" panose="020B0604020202020204" pitchFamily="34" charset="0"/>
-              <a:cs typeface="Arial" panose="020B0604020202020204" pitchFamily="34" charset="0"/>
-            </a:endParaRPr>
+              <a:t>ED: Bajo conocimiento de la destinación de recursos asignados para la primera infancia </a:t>
+            </a:r>
           </a:p>
         </p:txBody>
       </p:sp>
@@ -15315,7 +15175,7 @@
               </a:lnSpc>
             </a:pPr>
             <a:r>
-              <a:rPr lang="en-US" sz="2800" b="1" dirty="0" smtClean="0">
+              <a:rPr lang="en-US" sz="2800" b="1" dirty="0">
                 <a:solidFill>
                   <a:srgbClr val="346232"/>
                 </a:solidFill>
@@ -15323,12 +15183,6 @@
               </a:rPr>
               <a:t>ARBOL DE OBJETIVOS</a:t>
             </a:r>
-            <a:endParaRPr lang="en-US" sz="2800" b="1" dirty="0">
-              <a:solidFill>
-                <a:srgbClr val="346232"/>
-              </a:solidFill>
-              <a:latin typeface="Arial Rounded MT Bold" panose="020F0704030504030204" pitchFamily="34" charset="0"/>
-            </a:endParaRPr>
           </a:p>
         </p:txBody>
       </p:sp>
@@ -15457,62 +15311,15 @@
           <a:p>
             <a:pPr algn="ctr"/>
             <a:r>
-              <a:rPr lang="es-CO" sz="1200" dirty="0" smtClean="0">
+              <a:rPr lang="es-CO" sz="1200" dirty="0">
                 <a:solidFill>
                   <a:schemeClr val="tx1"/>
                 </a:solidFill>
                 <a:latin typeface="Arial" panose="020B0604020202020204" pitchFamily="34" charset="0"/>
                 <a:cs typeface="Arial" panose="020B0604020202020204" pitchFamily="34" charset="0"/>
               </a:rPr>
-              <a:t>OE: Mejorar el </a:t>
-            </a:r>
-            <a:r>
-              <a:rPr lang="es-CO" sz="1200" dirty="0">
-                <a:solidFill>
-                  <a:schemeClr val="tx1"/>
-                </a:solidFill>
-                <a:latin typeface="Arial" panose="020B0604020202020204" pitchFamily="34" charset="0"/>
-                <a:cs typeface="Arial" panose="020B0604020202020204" pitchFamily="34" charset="0"/>
-              </a:rPr>
-              <a:t>cumplimiento </a:t>
-            </a:r>
-            <a:r>
-              <a:rPr lang="es-CO" sz="1200" dirty="0" smtClean="0">
-                <a:solidFill>
-                  <a:schemeClr val="tx1"/>
-                </a:solidFill>
-                <a:latin typeface="Arial" panose="020B0604020202020204" pitchFamily="34" charset="0"/>
-                <a:cs typeface="Arial" panose="020B0604020202020204" pitchFamily="34" charset="0"/>
-              </a:rPr>
-              <a:t>de </a:t>
-            </a:r>
-            <a:r>
-              <a:rPr lang="es-CO" sz="1200" dirty="0">
-                <a:solidFill>
-                  <a:schemeClr val="tx1"/>
-                </a:solidFill>
-                <a:latin typeface="Arial" panose="020B0604020202020204" pitchFamily="34" charset="0"/>
-                <a:cs typeface="Arial" panose="020B0604020202020204" pitchFamily="34" charset="0"/>
-              </a:rPr>
-              <a:t>los procesos de adquisiciones de </a:t>
-            </a:r>
-            <a:r>
-              <a:rPr lang="es-CO" sz="1200" dirty="0" smtClean="0">
-                <a:solidFill>
-                  <a:schemeClr val="tx1"/>
-                </a:solidFill>
-                <a:latin typeface="Arial" panose="020B0604020202020204" pitchFamily="34" charset="0"/>
-                <a:cs typeface="Arial" panose="020B0604020202020204" pitchFamily="34" charset="0"/>
-              </a:rPr>
-              <a:t>dotaciones</a:t>
-            </a:r>
-            <a:endParaRPr lang="es-CO" sz="1200" dirty="0">
-              <a:solidFill>
-                <a:schemeClr val="tx1"/>
-              </a:solidFill>
-              <a:latin typeface="Arial" panose="020B0604020202020204" pitchFamily="34" charset="0"/>
-              <a:cs typeface="Arial" panose="020B0604020202020204" pitchFamily="34" charset="0"/>
-            </a:endParaRPr>
+              <a:t>OE: Mejorar el cumplimiento de los procesos de adquisiciones de dotaciones</a:t>
+            </a:r>
           </a:p>
         </p:txBody>
       </p:sp>
@@ -15575,27 +15382,7 @@
                 <a:latin typeface="Arial" panose="020B0604020202020204" pitchFamily="34" charset="0"/>
                 <a:cs typeface="Arial" panose="020B0604020202020204" pitchFamily="34" charset="0"/>
               </a:rPr>
-              <a:t>O</a:t>
-            </a:r>
-            <a:r>
-              <a:rPr lang="es-CO" sz="1200" dirty="0" smtClean="0">
-                <a:solidFill>
-                  <a:schemeClr val="tx1"/>
-                </a:solidFill>
-                <a:latin typeface="Arial" panose="020B0604020202020204" pitchFamily="34" charset="0"/>
-                <a:cs typeface="Arial" panose="020B0604020202020204" pitchFamily="34" charset="0"/>
-              </a:rPr>
-              <a:t>I</a:t>
-            </a:r>
-            <a:r>
-              <a:rPr lang="es-CO" sz="1200" dirty="0">
-                <a:solidFill>
-                  <a:schemeClr val="tx1"/>
-                </a:solidFill>
-                <a:latin typeface="Arial" panose="020B0604020202020204" pitchFamily="34" charset="0"/>
-                <a:cs typeface="Arial" panose="020B0604020202020204" pitchFamily="34" charset="0"/>
-              </a:rPr>
-              <a:t>: Aumentar el control a los recursos para la adquisicion de dotaciones para la primera infancia</a:t>
+              <a:t>OI: Aumentar el control a los recursos para la adquisicion de dotaciones para la primera infancia</a:t>
             </a:r>
           </a:p>
         </p:txBody>
@@ -15836,74 +15623,14 @@
           <a:p>
             <a:pPr algn="ctr"/>
             <a:r>
-              <a:rPr lang="es-CO" sz="1200" dirty="0" smtClean="0">
+              <a:rPr lang="es-CO" sz="1200" dirty="0">
                 <a:solidFill>
                   <a:schemeClr val="tx1"/>
                 </a:solidFill>
                 <a:latin typeface="Arial" panose="020B0604020202020204" pitchFamily="34" charset="0"/>
                 <a:cs typeface="Arial" panose="020B0604020202020204" pitchFamily="34" charset="0"/>
               </a:rPr>
-              <a:t>OE</a:t>
-            </a:r>
-            <a:r>
-              <a:rPr lang="es-CO" sz="1200" dirty="0" smtClean="0">
-                <a:solidFill>
-                  <a:schemeClr val="tx1"/>
-                </a:solidFill>
-                <a:latin typeface="Arial" panose="020B0604020202020204" pitchFamily="34" charset="0"/>
-                <a:cs typeface="Arial" panose="020B0604020202020204" pitchFamily="34" charset="0"/>
-              </a:rPr>
-              <a:t>: Aumentar </a:t>
-            </a:r>
-            <a:r>
-              <a:rPr lang="es-CO" sz="1200" dirty="0">
-                <a:solidFill>
-                  <a:schemeClr val="tx1"/>
-                </a:solidFill>
-                <a:latin typeface="Arial" panose="020B0604020202020204" pitchFamily="34" charset="0"/>
-                <a:cs typeface="Arial" panose="020B0604020202020204" pitchFamily="34" charset="0"/>
-              </a:rPr>
-              <a:t>la </a:t>
-            </a:r>
-            <a:r>
-              <a:rPr lang="es-CO" sz="1200" dirty="0" smtClean="0">
-                <a:solidFill>
-                  <a:schemeClr val="tx1"/>
-                </a:solidFill>
-                <a:latin typeface="Arial" panose="020B0604020202020204" pitchFamily="34" charset="0"/>
-                <a:cs typeface="Arial" panose="020B0604020202020204" pitchFamily="34" charset="0"/>
-              </a:rPr>
-              <a:t>calidad de la </a:t>
-            </a:r>
-            <a:r>
-              <a:rPr lang="es-CO" sz="1200" dirty="0">
-                <a:solidFill>
-                  <a:schemeClr val="tx1"/>
-                </a:solidFill>
-                <a:latin typeface="Arial" panose="020B0604020202020204" pitchFamily="34" charset="0"/>
-                <a:cs typeface="Arial" panose="020B0604020202020204" pitchFamily="34" charset="0"/>
-              </a:rPr>
-              <a:t>dotación para la atención </a:t>
-            </a:r>
-            <a:r>
-              <a:rPr lang="es-CO" sz="1200" dirty="0" smtClean="0">
-                <a:solidFill>
-                  <a:schemeClr val="tx1"/>
-                </a:solidFill>
-                <a:latin typeface="Arial" panose="020B0604020202020204" pitchFamily="34" charset="0"/>
-                <a:cs typeface="Arial" panose="020B0604020202020204" pitchFamily="34" charset="0"/>
-              </a:rPr>
-              <a:t>integral </a:t>
-            </a:r>
-            <a:r>
-              <a:rPr lang="es-CO" sz="1200" dirty="0">
-                <a:solidFill>
-                  <a:schemeClr val="tx1"/>
-                </a:solidFill>
-                <a:latin typeface="Arial" panose="020B0604020202020204" pitchFamily="34" charset="0"/>
-                <a:cs typeface="Arial" panose="020B0604020202020204" pitchFamily="34" charset="0"/>
-              </a:rPr>
-              <a:t>de la primera infancia</a:t>
+              <a:t>OE: Aumentar la calidad de la dotación para la atención integral de la primera infancia</a:t>
             </a:r>
           </a:p>
         </p:txBody>
@@ -15967,27 +15694,7 @@
                 <a:latin typeface="Arial" panose="020B0604020202020204" pitchFamily="34" charset="0"/>
                 <a:cs typeface="Arial" panose="020B0604020202020204" pitchFamily="34" charset="0"/>
               </a:rPr>
-              <a:t>O</a:t>
-            </a:r>
-            <a:r>
-              <a:rPr lang="es-CO" sz="1200" dirty="0" smtClean="0">
-                <a:solidFill>
-                  <a:schemeClr val="tx1"/>
-                </a:solidFill>
-                <a:latin typeface="Arial" panose="020B0604020202020204" pitchFamily="34" charset="0"/>
-                <a:cs typeface="Arial" panose="020B0604020202020204" pitchFamily="34" charset="0"/>
-              </a:rPr>
-              <a:t>I</a:t>
-            </a:r>
-            <a:r>
-              <a:rPr lang="es-CO" sz="1200" dirty="0">
-                <a:solidFill>
-                  <a:schemeClr val="tx1"/>
-                </a:solidFill>
-                <a:latin typeface="Arial" panose="020B0604020202020204" pitchFamily="34" charset="0"/>
-                <a:cs typeface="Arial" panose="020B0604020202020204" pitchFamily="34" charset="0"/>
-              </a:rPr>
-              <a:t>: Aumentar el control a los recursos para la adquisicion de dotaciones para la primera infancia</a:t>
+              <a:t>OI: Aumentar el control a los recursos para la adquisicion de dotaciones para la primera infancia</a:t>
             </a:r>
           </a:p>
         </p:txBody>
@@ -16048,27 +15755,7 @@
                 <a:latin typeface="Arial" panose="020B0604020202020204" pitchFamily="34" charset="0"/>
                 <a:cs typeface="Arial" panose="020B0604020202020204" pitchFamily="34" charset="0"/>
               </a:rPr>
-              <a:t>ED: Mejorar el  desarrollo emocional, cognitivo, físico y nutricional el NNA de la </a:t>
-            </a:r>
-            <a:r>
-              <a:rPr lang="es-CO" sz="1200" dirty="0" smtClean="0">
-                <a:solidFill>
-                  <a:schemeClr val="tx1"/>
-                </a:solidFill>
-                <a:latin typeface="Arial" panose="020B0604020202020204" pitchFamily="34" charset="0"/>
-                <a:cs typeface="Arial" panose="020B0604020202020204" pitchFamily="34" charset="0"/>
-              </a:rPr>
-              <a:t>primera </a:t>
-            </a:r>
-            <a:r>
-              <a:rPr lang="es-CO" sz="1200" dirty="0">
-                <a:solidFill>
-                  <a:schemeClr val="tx1"/>
-                </a:solidFill>
-                <a:latin typeface="Arial" panose="020B0604020202020204" pitchFamily="34" charset="0"/>
-                <a:cs typeface="Arial" panose="020B0604020202020204" pitchFamily="34" charset="0"/>
-              </a:rPr>
-              <a:t>infancia</a:t>
+              <a:t>ED: Mejorar el  desarrollo emocional, cognitivo, físico y nutricional el NNA de la primera infancia</a:t>
             </a:r>
           </a:p>
         </p:txBody>
@@ -16250,52 +15937,15 @@
           <a:p>
             <a:pPr algn="ctr"/>
             <a:r>
-              <a:rPr lang="es-CO" sz="1200" dirty="0" smtClean="0">
+              <a:rPr lang="es-CO" sz="1200" dirty="0">
                 <a:solidFill>
                   <a:schemeClr val="tx1"/>
                 </a:solidFill>
                 <a:latin typeface="Arial" panose="020B0604020202020204" pitchFamily="34" charset="0"/>
                 <a:cs typeface="Arial" panose="020B0604020202020204" pitchFamily="34" charset="0"/>
               </a:rPr>
-              <a:t>OE</a:t>
-            </a:r>
-            <a:r>
-              <a:rPr lang="es-CO" sz="1200" dirty="0" smtClean="0">
-                <a:solidFill>
-                  <a:schemeClr val="tx1"/>
-                </a:solidFill>
-                <a:latin typeface="Arial" panose="020B0604020202020204" pitchFamily="34" charset="0"/>
-                <a:cs typeface="Arial" panose="020B0604020202020204" pitchFamily="34" charset="0"/>
-              </a:rPr>
-              <a:t>: Aumentar</a:t>
-            </a:r>
-            <a:r>
-              <a:rPr lang="es-CO" sz="1200" dirty="0" smtClean="0">
-                <a:solidFill>
-                  <a:schemeClr val="tx1"/>
-                </a:solidFill>
-                <a:latin typeface="Arial" panose="020B0604020202020204" pitchFamily="34" charset="0"/>
-                <a:cs typeface="Arial" panose="020B0604020202020204" pitchFamily="34" charset="0"/>
-              </a:rPr>
-              <a:t> </a:t>
-            </a:r>
-            <a:r>
-              <a:rPr lang="es-CO" sz="1200" dirty="0">
-                <a:solidFill>
-                  <a:schemeClr val="tx1"/>
-                </a:solidFill>
-                <a:latin typeface="Arial" panose="020B0604020202020204" pitchFamily="34" charset="0"/>
-                <a:cs typeface="Arial" panose="020B0604020202020204" pitchFamily="34" charset="0"/>
-              </a:rPr>
-              <a:t>conocimiento técnico del talento humano en regionales y centros zonales para la adquisición de dotación para la primera infancia</a:t>
-            </a:r>
-            <a:endParaRPr lang="es-CO" sz="1200" dirty="0">
-              <a:solidFill>
-                <a:schemeClr val="tx1"/>
-              </a:solidFill>
-              <a:latin typeface="Arial" panose="020B0604020202020204" pitchFamily="34" charset="0"/>
-              <a:cs typeface="Arial" panose="020B0604020202020204" pitchFamily="34" charset="0"/>
-            </a:endParaRPr>
+              <a:t>OE: Aumentar conocimiento técnico del talento humano en regionales y centros zonales para la adquisición de dotación para la primera infancia</a:t>
+            </a:r>
           </a:p>
         </p:txBody>
       </p:sp>
@@ -16358,27 +16008,7 @@
                 <a:latin typeface="Arial" panose="020B0604020202020204" pitchFamily="34" charset="0"/>
                 <a:cs typeface="Arial" panose="020B0604020202020204" pitchFamily="34" charset="0"/>
               </a:rPr>
-              <a:t>O</a:t>
-            </a:r>
-            <a:r>
-              <a:rPr lang="es-CO" sz="1200" dirty="0" smtClean="0">
-                <a:solidFill>
-                  <a:schemeClr val="tx1"/>
-                </a:solidFill>
-                <a:latin typeface="Arial" panose="020B0604020202020204" pitchFamily="34" charset="0"/>
-                <a:cs typeface="Arial" panose="020B0604020202020204" pitchFamily="34" charset="0"/>
-              </a:rPr>
-              <a:t>I</a:t>
-            </a:r>
-            <a:r>
-              <a:rPr lang="es-CO" sz="1200" dirty="0">
-                <a:solidFill>
-                  <a:schemeClr val="tx1"/>
-                </a:solidFill>
-                <a:latin typeface="Arial" panose="020B0604020202020204" pitchFamily="34" charset="0"/>
-                <a:cs typeface="Arial" panose="020B0604020202020204" pitchFamily="34" charset="0"/>
-              </a:rPr>
-              <a:t>: Aumentar el control a los recursos para la adquisicion de dotaciones para la primera infancia</a:t>
+              <a:t>OI: Aumentar el control a los recursos para la adquisicion de dotaciones para la primera infancia</a:t>
             </a:r>
           </a:p>
         </p:txBody>
@@ -16439,45 +16069,8 @@
                 <a:latin typeface="Arial" panose="020B0604020202020204" pitchFamily="34" charset="0"/>
                 <a:cs typeface="Arial" panose="020B0604020202020204" pitchFamily="34" charset="0"/>
               </a:rPr>
-              <a:t>ED: </a:t>
-            </a:r>
-            <a:r>
-              <a:rPr lang="es-CO" sz="1200" dirty="0" smtClean="0">
-                <a:solidFill>
-                  <a:schemeClr val="tx1"/>
-                </a:solidFill>
-                <a:latin typeface="Arial" panose="020B0604020202020204" pitchFamily="34" charset="0"/>
-                <a:cs typeface="Arial" panose="020B0604020202020204" pitchFamily="34" charset="0"/>
-              </a:rPr>
-              <a:t>Mejorar </a:t>
-            </a:r>
-            <a:r>
-              <a:rPr lang="es-CO" sz="1200" dirty="0" smtClean="0">
-                <a:solidFill>
-                  <a:schemeClr val="tx1"/>
-                </a:solidFill>
-                <a:latin typeface="Arial" panose="020B0604020202020204" pitchFamily="34" charset="0"/>
-                <a:cs typeface="Arial" panose="020B0604020202020204" pitchFamily="34" charset="0"/>
-              </a:rPr>
-              <a:t>conocimiento </a:t>
-            </a:r>
-            <a:r>
-              <a:rPr lang="es-CO" sz="1200" dirty="0">
-                <a:solidFill>
-                  <a:schemeClr val="tx1"/>
-                </a:solidFill>
-                <a:latin typeface="Arial" panose="020B0604020202020204" pitchFamily="34" charset="0"/>
-                <a:cs typeface="Arial" panose="020B0604020202020204" pitchFamily="34" charset="0"/>
-              </a:rPr>
-              <a:t>de la destinación de recursos asignados para la primera infancia </a:t>
-            </a:r>
-            <a:endParaRPr lang="es-CO" sz="1200" dirty="0">
-              <a:solidFill>
-                <a:schemeClr val="tx1"/>
-              </a:solidFill>
-              <a:latin typeface="Arial" panose="020B0604020202020204" pitchFamily="34" charset="0"/>
-              <a:cs typeface="Arial" panose="020B0604020202020204" pitchFamily="34" charset="0"/>
-            </a:endParaRPr>
+              <a:t>ED: Mejorar conocimiento de la destinación de recursos asignados para la primera infancia </a:t>
+            </a:r>
           </a:p>
         </p:txBody>
       </p:sp>
@@ -16609,22 +16202,13 @@
               </a:lnSpc>
             </a:pPr>
             <a:r>
-              <a:rPr lang="en-US" sz="2800" b="1" dirty="0" smtClean="0">
+              <a:rPr lang="en-US" sz="2800" b="1" dirty="0">
                 <a:solidFill>
                   <a:srgbClr val="346232"/>
                 </a:solidFill>
                 <a:latin typeface="Arial Rounded MT Bold" panose="020F0704030504030204" pitchFamily="34" charset="0"/>
               </a:rPr>
-              <a:t>MAGNITUD </a:t>
-            </a:r>
-            <a:r>
-              <a:rPr lang="en-US" sz="2800" b="1" dirty="0">
-                <a:solidFill>
-                  <a:srgbClr val="346232"/>
-                </a:solidFill>
-                <a:latin typeface="Arial Rounded MT Bold" panose="020F0704030504030204" pitchFamily="34" charset="0"/>
-              </a:rPr>
-              <a:t>DEL PROBLEMA</a:t>
+              <a:t>MAGNITUD DEL PROBLEMA</a:t>
             </a:r>
           </a:p>
         </p:txBody>
@@ -16644,7 +16228,7 @@
         <p:spPr>
           <a:xfrm>
             <a:off x="553552" y="921974"/>
-            <a:ext cx="10764149" cy="2862322"/>
+            <a:ext cx="10764149" cy="3416320"/>
           </a:xfrm>
           <a:prstGeom prst="rect">
             <a:avLst/>
@@ -16673,13 +16257,7 @@
               <a:rPr lang="es-ES" dirty="0">
                 <a:latin typeface="Arial  "/>
               </a:rPr>
-              <a:t> entre niñas, niños de 0 a 5 años y 11 meses de edad</a:t>
-            </a:r>
-            <a:r>
-              <a:rPr lang="es-ES" dirty="0" smtClean="0">
-                <a:latin typeface="Arial  "/>
-              </a:rPr>
-              <a:t>.</a:t>
+              <a:t> entre niñas, niños de 0 a 5 años y 11 meses de edad.</a:t>
             </a:r>
           </a:p>
           <a:p>
@@ -16704,13 +16282,7 @@
               <a:rPr lang="es-ES" dirty="0">
                 <a:latin typeface="Arial  "/>
               </a:rPr>
-              <a:t>0 a 5 años: 1.805.735 niñas y niños de 0 a 5 años y 11 meses de edad</a:t>
-            </a:r>
-            <a:r>
-              <a:rPr lang="es-ES" dirty="0" smtClean="0">
-                <a:latin typeface="Arial  "/>
-              </a:rPr>
-              <a:t>.</a:t>
+              <a:t>0 a 5 años: 1.805.735 niñas y niños de 0 a 5 años y 11 meses de edad.</a:t>
             </a:r>
           </a:p>
           <a:p>
@@ -16723,7 +16295,7 @@
           <a:p>
             <a:pPr lvl="0"/>
             <a:r>
-              <a:rPr lang="es-ES" dirty="0" smtClean="0">
+              <a:rPr lang="es-ES" dirty="0">
                 <a:latin typeface="Arial  "/>
               </a:rPr>
               <a:t>FACTOR FINANCIERO</a:t>
@@ -16738,8 +16310,22 @@
           </a:p>
           <a:p>
             <a:pPr lvl="0"/>
-            <a:r>
-              <a:rPr lang="es-ES" dirty="0" smtClean="0">
+            <a:endParaRPr lang="es-ES" dirty="0">
+              <a:effectLst/>
+              <a:latin typeface="Arial  "/>
+            </a:endParaRPr>
+          </a:p>
+          <a:p>
+            <a:pPr lvl="0"/>
+            <a:endParaRPr lang="es-ES" dirty="0">
+              <a:effectLst/>
+              <a:latin typeface="Arial  "/>
+            </a:endParaRPr>
+          </a:p>
+          <a:p>
+            <a:pPr lvl="0"/>
+            <a:r>
+              <a:rPr lang="es-ES" dirty="0">
                 <a:latin typeface="Arial  "/>
               </a:rPr>
               <a:t>FACTOR ADMINISTRATIVO</a:t>
@@ -16815,7 +16401,7 @@
               </a:lnSpc>
             </a:pPr>
             <a:r>
-              <a:rPr lang="en-US" sz="2800" b="1" dirty="0" smtClean="0">
+              <a:rPr lang="en-US" sz="2800" b="1" dirty="0">
                 <a:solidFill>
                   <a:srgbClr val="346232"/>
                 </a:solidFill>
@@ -16823,12 +16409,6 @@
               </a:rPr>
               <a:t>INTERESADOS</a:t>
             </a:r>
-            <a:endParaRPr lang="en-US" sz="2800" b="1" dirty="0">
-              <a:solidFill>
-                <a:srgbClr val="346232"/>
-              </a:solidFill>
-              <a:latin typeface="Arial Rounded MT Bold" panose="020F0704030504030204" pitchFamily="34" charset="0"/>
-            </a:endParaRPr>
           </a:p>
         </p:txBody>
       </p:sp>
@@ -16883,7 +16463,7 @@
           <a:p>
             <a:pPr algn="ctr"/>
             <a:r>
-              <a:rPr lang="es-CO" sz="1200" b="1" dirty="0" smtClean="0">
+              <a:rPr lang="es-CO" sz="1200" b="1" dirty="0">
                 <a:solidFill>
                   <a:schemeClr val="tx1"/>
                 </a:solidFill>
@@ -16892,13 +16472,6 @@
               </a:rPr>
               <a:t>ACTOR/INTERESADO</a:t>
             </a:r>
-            <a:endParaRPr lang="es-CO" sz="1200" b="1" dirty="0">
-              <a:solidFill>
-                <a:schemeClr val="tx1"/>
-              </a:solidFill>
-              <a:latin typeface="Arial" panose="020B0604020202020204" pitchFamily="34" charset="0"/>
-              <a:cs typeface="Arial" panose="020B0604020202020204" pitchFamily="34" charset="0"/>
-            </a:endParaRPr>
           </a:p>
         </p:txBody>
       </p:sp>
@@ -16953,7 +16526,7 @@
           <a:p>
             <a:pPr algn="ctr"/>
             <a:r>
-              <a:rPr lang="es-CO" sz="1200" b="1" dirty="0" smtClean="0">
+              <a:rPr lang="es-CO" sz="1200" b="1" dirty="0">
                 <a:solidFill>
                   <a:schemeClr val="tx1"/>
                 </a:solidFill>
@@ -16962,13 +16535,6 @@
               </a:rPr>
               <a:t>INTERES/EXPECTATIVA</a:t>
             </a:r>
-            <a:endParaRPr lang="es-CO" sz="1200" b="1" dirty="0">
-              <a:solidFill>
-                <a:schemeClr val="tx1"/>
-              </a:solidFill>
-              <a:latin typeface="Arial" panose="020B0604020202020204" pitchFamily="34" charset="0"/>
-              <a:cs typeface="Arial" panose="020B0604020202020204" pitchFamily="34" charset="0"/>
-            </a:endParaRPr>
           </a:p>
         </p:txBody>
       </p:sp>
@@ -17023,7 +16589,7 @@
           <a:p>
             <a:pPr algn="ctr"/>
             <a:r>
-              <a:rPr lang="es-CO" sz="1200" b="1" dirty="0" smtClean="0">
+              <a:rPr lang="es-CO" sz="1200" b="1" dirty="0">
                 <a:solidFill>
                   <a:schemeClr val="tx1"/>
                 </a:solidFill>
@@ -17032,13 +16598,6 @@
               </a:rPr>
               <a:t>GESTION</a:t>
             </a:r>
-            <a:endParaRPr lang="es-CO" sz="1200" b="1" dirty="0">
-              <a:solidFill>
-                <a:schemeClr val="tx1"/>
-              </a:solidFill>
-              <a:latin typeface="Arial" panose="020B0604020202020204" pitchFamily="34" charset="0"/>
-              <a:cs typeface="Arial" panose="020B0604020202020204" pitchFamily="34" charset="0"/>
-            </a:endParaRPr>
           </a:p>
         </p:txBody>
       </p:sp>
@@ -17093,7 +16652,7 @@
           <a:p>
             <a:pPr algn="ctr"/>
             <a:r>
-              <a:rPr lang="es-CO" sz="1200" b="1" dirty="0" smtClean="0">
+              <a:rPr lang="es-CO" sz="1200" b="1" dirty="0">
                 <a:solidFill>
                   <a:schemeClr val="tx1"/>
                 </a:solidFill>
@@ -17102,13 +16661,6 @@
               </a:rPr>
               <a:t>NIVEL INFLUENCIA/PODER </a:t>
             </a:r>
-            <a:endParaRPr lang="es-CO" sz="1200" b="1" dirty="0">
-              <a:solidFill>
-                <a:schemeClr val="tx1"/>
-              </a:solidFill>
-              <a:latin typeface="Arial" panose="020B0604020202020204" pitchFamily="34" charset="0"/>
-              <a:cs typeface="Arial" panose="020B0604020202020204" pitchFamily="34" charset="0"/>
-            </a:endParaRPr>
           </a:p>
         </p:txBody>
       </p:sp>
@@ -17161,7 +16713,7 @@
           <a:p>
             <a:pPr algn="ctr"/>
             <a:r>
-              <a:rPr lang="es-CO" sz="1200" b="1" dirty="0" smtClean="0">
+              <a:rPr lang="es-CO" sz="1200" b="1" dirty="0">
                 <a:solidFill>
                   <a:schemeClr val="tx1"/>
                 </a:solidFill>
@@ -17170,13 +16722,6 @@
               </a:rPr>
               <a:t>ICBF</a:t>
             </a:r>
-            <a:endParaRPr lang="es-CO" sz="1200" b="1" dirty="0">
-              <a:solidFill>
-                <a:schemeClr val="tx1"/>
-              </a:solidFill>
-              <a:latin typeface="Arial" panose="020B0604020202020204" pitchFamily="34" charset="0"/>
-              <a:cs typeface="Arial" panose="020B0604020202020204" pitchFamily="34" charset="0"/>
-            </a:endParaRPr>
           </a:p>
         </p:txBody>
       </p:sp>
@@ -17229,7 +16774,7 @@
           <a:p>
             <a:pPr algn="ctr"/>
             <a:r>
-              <a:rPr lang="es-CO" sz="1200" b="1" dirty="0" smtClean="0">
+              <a:rPr lang="es-CO" sz="1200" b="1" dirty="0">
                 <a:solidFill>
                   <a:schemeClr val="tx1"/>
                 </a:solidFill>
@@ -17238,13 +16783,6 @@
               </a:rPr>
               <a:t>FORTALECER LA CALIDAD DE LA ATENCIÓN INTEGRAL A LA PRIMERA INFANCIA</a:t>
             </a:r>
-            <a:endParaRPr lang="es-CO" sz="1200" b="1" dirty="0">
-              <a:solidFill>
-                <a:schemeClr val="tx1"/>
-              </a:solidFill>
-              <a:latin typeface="Arial" panose="020B0604020202020204" pitchFamily="34" charset="0"/>
-              <a:cs typeface="Arial" panose="020B0604020202020204" pitchFamily="34" charset="0"/>
-            </a:endParaRPr>
           </a:p>
         </p:txBody>
       </p:sp>
@@ -17297,7 +16835,7 @@
           <a:p>
             <a:pPr algn="ctr"/>
             <a:r>
-              <a:rPr lang="es-CO" sz="1200" b="1" dirty="0" smtClean="0">
+              <a:rPr lang="es-CO" sz="1200" b="1" dirty="0">
                 <a:solidFill>
                   <a:schemeClr val="tx1"/>
                 </a:solidFill>
@@ -17306,13 +16844,6 @@
               </a:rPr>
               <a:t>ALTA</a:t>
             </a:r>
-            <a:endParaRPr lang="es-CO" sz="1200" b="1" dirty="0">
-              <a:solidFill>
-                <a:schemeClr val="tx1"/>
-              </a:solidFill>
-              <a:latin typeface="Arial" panose="020B0604020202020204" pitchFamily="34" charset="0"/>
-              <a:cs typeface="Arial" panose="020B0604020202020204" pitchFamily="34" charset="0"/>
-            </a:endParaRPr>
           </a:p>
         </p:txBody>
       </p:sp>
@@ -17365,7 +16896,7 @@
           <a:p>
             <a:pPr algn="ctr"/>
             <a:r>
-              <a:rPr lang="es-CO" sz="1200" b="1" dirty="0" smtClean="0">
+              <a:rPr lang="es-CO" sz="1200" b="1" dirty="0">
                 <a:solidFill>
                   <a:schemeClr val="tx1"/>
                 </a:solidFill>
@@ -17374,13 +16905,6 @@
               </a:rPr>
               <a:t>ESTRUCTURACION DE ESTRATEGIA PARA LA ADQUISICION DE LA DOTACION PARA LA PRIMERA INFANCIA</a:t>
             </a:r>
-            <a:endParaRPr lang="es-CO" sz="1200" b="1" dirty="0">
-              <a:solidFill>
-                <a:schemeClr val="tx1"/>
-              </a:solidFill>
-              <a:latin typeface="Arial" panose="020B0604020202020204" pitchFamily="34" charset="0"/>
-              <a:cs typeface="Arial" panose="020B0604020202020204" pitchFamily="34" charset="0"/>
-            </a:endParaRPr>
           </a:p>
         </p:txBody>
       </p:sp>
@@ -17436,7 +16960,7 @@
           <a:p>
             <a:pPr algn="ctr"/>
             <a:r>
-              <a:rPr lang="es-CO" sz="1200" b="1" dirty="0" smtClean="0">
+              <a:rPr lang="es-CO" sz="1200" b="1" dirty="0">
                 <a:solidFill>
                   <a:schemeClr val="tx1"/>
                 </a:solidFill>
@@ -17445,13 +16969,6 @@
               </a:rPr>
               <a:t>ENTIDADES NACIONALES – TERRITORIALES – ALCALDIAS Y GOBERNACIONES</a:t>
             </a:r>
-            <a:endParaRPr lang="es-CO" sz="1200" b="1" dirty="0">
-              <a:solidFill>
-                <a:schemeClr val="tx1"/>
-              </a:solidFill>
-              <a:latin typeface="Arial" panose="020B0604020202020204" pitchFamily="34" charset="0"/>
-              <a:cs typeface="Arial" panose="020B0604020202020204" pitchFamily="34" charset="0"/>
-            </a:endParaRPr>
           </a:p>
         </p:txBody>
       </p:sp>
@@ -17507,7 +17024,7 @@
           <a:p>
             <a:pPr algn="ctr"/>
             <a:r>
-              <a:rPr lang="es-CO" sz="1200" b="1" dirty="0" smtClean="0">
+              <a:rPr lang="es-CO" sz="1200" b="1" dirty="0">
                 <a:solidFill>
                   <a:schemeClr val="tx1"/>
                 </a:solidFill>
@@ -17516,13 +17033,6 @@
               </a:rPr>
               <a:t>APORTAR EN LA CALIDAD DE LA ATENCION INTEGRAL A LA PRIMERA INFANCIA</a:t>
             </a:r>
-            <a:endParaRPr lang="es-CO" sz="1200" b="1" dirty="0">
-              <a:solidFill>
-                <a:schemeClr val="tx1"/>
-              </a:solidFill>
-              <a:latin typeface="Arial" panose="020B0604020202020204" pitchFamily="34" charset="0"/>
-              <a:cs typeface="Arial" panose="020B0604020202020204" pitchFamily="34" charset="0"/>
-            </a:endParaRPr>
           </a:p>
         </p:txBody>
       </p:sp>
@@ -17578,7 +17088,7 @@
           <a:p>
             <a:pPr algn="ctr"/>
             <a:r>
-              <a:rPr lang="es-CO" sz="1200" b="1" dirty="0" smtClean="0">
+              <a:rPr lang="es-CO" sz="1200" b="1" dirty="0">
                 <a:solidFill>
                   <a:schemeClr val="tx1"/>
                 </a:solidFill>
@@ -17587,13 +17097,6 @@
               </a:rPr>
               <a:t>MEDIA</a:t>
             </a:r>
-            <a:endParaRPr lang="es-CO" sz="1200" b="1" dirty="0">
-              <a:solidFill>
-                <a:schemeClr val="tx1"/>
-              </a:solidFill>
-              <a:latin typeface="Arial" panose="020B0604020202020204" pitchFamily="34" charset="0"/>
-              <a:cs typeface="Arial" panose="020B0604020202020204" pitchFamily="34" charset="0"/>
-            </a:endParaRPr>
           </a:p>
         </p:txBody>
       </p:sp>
@@ -17649,7 +17152,7 @@
           <a:p>
             <a:pPr algn="ctr"/>
             <a:r>
-              <a:rPr lang="es-CO" sz="1200" b="1" dirty="0" smtClean="0">
+              <a:rPr lang="es-CO" sz="1200" b="1" dirty="0">
                 <a:solidFill>
                   <a:schemeClr val="tx1"/>
                 </a:solidFill>
@@ -17658,13 +17161,6 @@
               </a:rPr>
               <a:t>CONTRIBUYE CON POLITICAS Y PROCESOS PARA LA ATENCION INTEGRAL DE LA PRIMERA INFANCIA </a:t>
             </a:r>
-            <a:endParaRPr lang="es-CO" sz="1200" b="1" dirty="0">
-              <a:solidFill>
-                <a:schemeClr val="tx1"/>
-              </a:solidFill>
-              <a:latin typeface="Arial" panose="020B0604020202020204" pitchFamily="34" charset="0"/>
-              <a:cs typeface="Arial" panose="020B0604020202020204" pitchFamily="34" charset="0"/>
-            </a:endParaRPr>
           </a:p>
         </p:txBody>
       </p:sp>
@@ -17729,13 +17225,6 @@
               </a:rPr>
               <a:t>NIÑAS Y NIÑOS DE 0 A 5 AÑOS (HASTA LOS 6 AÑOS EN DONDE NO HAYA OTRO SERVICIO DE EDUCACIÓN INICIAL O UN CENTRO EDUCATIVO DE EDUCACIÓN FORMAL)</a:t>
             </a:r>
-            <a:endParaRPr lang="es-CO" sz="1200" b="1" dirty="0">
-              <a:solidFill>
-                <a:schemeClr val="tx1"/>
-              </a:solidFill>
-              <a:latin typeface="Arial" panose="020B0604020202020204" pitchFamily="34" charset="0"/>
-              <a:cs typeface="Arial" panose="020B0604020202020204" pitchFamily="34" charset="0"/>
-            </a:endParaRPr>
           </a:p>
         </p:txBody>
       </p:sp>
@@ -17791,7 +17280,7 @@
           <a:p>
             <a:pPr algn="ctr"/>
             <a:r>
-              <a:rPr lang="es-CO" sz="1200" b="1" dirty="0" smtClean="0">
+              <a:rPr lang="es-CO" sz="1200" b="1" dirty="0">
                 <a:solidFill>
                   <a:schemeClr val="tx1"/>
                 </a:solidFill>
@@ -17800,13 +17289,6 @@
               </a:rPr>
               <a:t>RECIBIR UNA ATENCIÓN INTEGRAL ESPECIALIZADA, PERTINENTE Y OPORTUNA QUE PROMUEVA EL DESARROLLO INTEGRAL EN LA PRIMERA INFANCIA</a:t>
             </a:r>
-            <a:endParaRPr lang="es-CO" sz="1200" b="1" dirty="0">
-              <a:solidFill>
-                <a:schemeClr val="tx1"/>
-              </a:solidFill>
-              <a:latin typeface="Arial" panose="020B0604020202020204" pitchFamily="34" charset="0"/>
-              <a:cs typeface="Arial" panose="020B0604020202020204" pitchFamily="34" charset="0"/>
-            </a:endParaRPr>
           </a:p>
         </p:txBody>
       </p:sp>
@@ -17862,7 +17344,7 @@
           <a:p>
             <a:pPr algn="ctr"/>
             <a:r>
-              <a:rPr lang="es-CO" sz="1200" b="1" dirty="0" smtClean="0">
+              <a:rPr lang="es-CO" sz="1200" b="1" dirty="0">
                 <a:solidFill>
                   <a:schemeClr val="tx1"/>
                 </a:solidFill>
@@ -17871,13 +17353,6 @@
               </a:rPr>
               <a:t>ALTA</a:t>
             </a:r>
-            <a:endParaRPr lang="es-CO" sz="1200" b="1" dirty="0">
-              <a:solidFill>
-                <a:schemeClr val="tx1"/>
-              </a:solidFill>
-              <a:latin typeface="Arial" panose="020B0604020202020204" pitchFamily="34" charset="0"/>
-              <a:cs typeface="Arial" panose="020B0604020202020204" pitchFamily="34" charset="0"/>
-            </a:endParaRPr>
           </a:p>
         </p:txBody>
       </p:sp>
@@ -17933,7 +17408,7 @@
           <a:p>
             <a:pPr algn="ctr"/>
             <a:r>
-              <a:rPr lang="es-CO" sz="1200" b="1" dirty="0" smtClean="0">
+              <a:rPr lang="es-CO" sz="1200" b="1" dirty="0">
                 <a:solidFill>
                   <a:schemeClr val="tx1"/>
                 </a:solidFill>
@@ -17942,13 +17417,6 @@
               </a:rPr>
               <a:t>PARTICIPAR DE LOS PROGRAMAS Y SERVICIOS DE ATENCIÓN A LA PRIMERA INFANCIA OFRECIDOS POR EL ICBF</a:t>
             </a:r>
-            <a:endParaRPr lang="es-CO" sz="1200" b="1" dirty="0">
-              <a:solidFill>
-                <a:schemeClr val="tx1"/>
-              </a:solidFill>
-              <a:latin typeface="Arial" panose="020B0604020202020204" pitchFamily="34" charset="0"/>
-              <a:cs typeface="Arial" panose="020B0604020202020204" pitchFamily="34" charset="0"/>
-            </a:endParaRPr>
           </a:p>
         </p:txBody>
       </p:sp>
@@ -18001,7 +17469,7 @@
           <a:p>
             <a:pPr algn="ctr"/>
             <a:r>
-              <a:rPr lang="es-CO" sz="1200" b="1" dirty="0" smtClean="0">
+              <a:rPr lang="es-CO" sz="1200" b="1" dirty="0">
                 <a:solidFill>
                   <a:schemeClr val="tx1"/>
                 </a:solidFill>
@@ -18010,13 +17478,6 @@
               </a:rPr>
               <a:t>ADMINISTRACION DE LOS RECURSOS ASIGNADOS PARA ADQUISICION DE DOTACION PARA LA PRIMERA INFANCIA</a:t>
             </a:r>
-            <a:endParaRPr lang="es-CO" sz="1200" b="1" dirty="0">
-              <a:solidFill>
-                <a:schemeClr val="tx1"/>
-              </a:solidFill>
-              <a:latin typeface="Arial" panose="020B0604020202020204" pitchFamily="34" charset="0"/>
-              <a:cs typeface="Arial" panose="020B0604020202020204" pitchFamily="34" charset="0"/>
-            </a:endParaRPr>
           </a:p>
         </p:txBody>
       </p:sp>
@@ -18320,9 +17781,6 @@
               </a:rPr>
               <a:t>LEVANTAMIENTO DE NECESIDADES DE LOS ELEMENTOS POR UDS</a:t>
             </a:r>
-            <a:endParaRPr lang="es-CO" sz="1333" dirty="0">
-              <a:latin typeface="Arial Rounded MT Bold" panose="020F0704030504030204" pitchFamily="34" charset="0"/>
-            </a:endParaRPr>
           </a:p>
         </p:txBody>
       </p:sp>
@@ -18452,9 +17910,6 @@
               </a:rPr>
               <a:t>PROCESOS CONTRACTUALES DE COMPRA</a:t>
             </a:r>
-            <a:endParaRPr lang="es-CO" sz="1333" dirty="0">
-              <a:latin typeface="Arial Rounded MT Bold" panose="020F0704030504030204" pitchFamily="34" charset="0"/>
-            </a:endParaRPr>
           </a:p>
         </p:txBody>
       </p:sp>
@@ -18584,9 +18039,6 @@
               </a:rPr>
               <a:t>ENTREGA EN SITIO (UDS)</a:t>
             </a:r>
-            <a:endParaRPr lang="es-CO" sz="1333" dirty="0">
-              <a:latin typeface="Arial Rounded MT Bold" panose="020F0704030504030204" pitchFamily="34" charset="0"/>
-            </a:endParaRPr>
           </a:p>
         </p:txBody>
       </p:sp>
@@ -18719,9 +18171,6 @@
               </a:rPr>
               <a:t>INGRESO AL INVENTARIO DEL ICBF</a:t>
             </a:r>
-            <a:endParaRPr lang="it-IT" sz="1200" dirty="0">
-              <a:latin typeface="Arial Rounded MT Bold" panose="020F0704030504030204" pitchFamily="34" charset="0"/>
-            </a:endParaRPr>
           </a:p>
         </p:txBody>
       </p:sp>
@@ -18799,7 +18248,7 @@
               </a:lnSpc>
             </a:pPr>
             <a:r>
-              <a:rPr lang="en-US" sz="2800" b="1" dirty="0" smtClean="0">
+              <a:rPr lang="en-US" sz="2800" b="1" dirty="0">
                 <a:solidFill>
                   <a:srgbClr val="346232"/>
                 </a:solidFill>
@@ -18807,12 +18256,6 @@
               </a:rPr>
               <a:t>ETAPAS Y FASES DE PROYECTO</a:t>
             </a:r>
-            <a:endParaRPr lang="en-US" sz="2800" b="1" dirty="0">
-              <a:solidFill>
-                <a:srgbClr val="346232"/>
-              </a:solidFill>
-              <a:latin typeface="Arial Rounded MT Bold" panose="020F0704030504030204" pitchFamily="34" charset="0"/>
-            </a:endParaRPr>
           </a:p>
         </p:txBody>
       </p:sp>
@@ -18845,14 +18288,11 @@
           <a:lstStyle/>
           <a:p>
             <a:r>
-              <a:rPr lang="es-CO" sz="1333" dirty="0" smtClean="0">
+              <a:rPr lang="es-CO" sz="1333" dirty="0">
                 <a:latin typeface="Arial Rounded MT Bold" panose="020F0704030504030204" pitchFamily="34" charset="0"/>
               </a:rPr>
               <a:t>INICIO</a:t>
             </a:r>
-            <a:endParaRPr lang="es-CO" sz="1333" dirty="0">
-              <a:latin typeface="Arial Rounded MT Bold" panose="020F0704030504030204" pitchFamily="34" charset="0"/>
-            </a:endParaRPr>
           </a:p>
         </p:txBody>
       </p:sp>
@@ -18885,14 +18325,11 @@
           <a:lstStyle/>
           <a:p>
             <a:r>
-              <a:rPr lang="es-CO" sz="1333" dirty="0" smtClean="0">
+              <a:rPr lang="es-CO" sz="1333" dirty="0">
                 <a:latin typeface="Arial Rounded MT Bold" panose="020F0704030504030204" pitchFamily="34" charset="0"/>
               </a:rPr>
               <a:t>PLANEACION</a:t>
             </a:r>
-            <a:endParaRPr lang="es-CO" sz="1333" dirty="0">
-              <a:latin typeface="Arial Rounded MT Bold" panose="020F0704030504030204" pitchFamily="34" charset="0"/>
-            </a:endParaRPr>
           </a:p>
         </p:txBody>
       </p:sp>
@@ -18925,14 +18362,11 @@
           <a:lstStyle/>
           <a:p>
             <a:r>
-              <a:rPr lang="es-CO" sz="1333" dirty="0" smtClean="0">
+              <a:rPr lang="es-CO" sz="1333" dirty="0">
                 <a:latin typeface="Arial Rounded MT Bold" panose="020F0704030504030204" pitchFamily="34" charset="0"/>
               </a:rPr>
               <a:t>EJECUCION</a:t>
             </a:r>
-            <a:endParaRPr lang="es-CO" sz="1333" dirty="0">
-              <a:latin typeface="Arial Rounded MT Bold" panose="020F0704030504030204" pitchFamily="34" charset="0"/>
-            </a:endParaRPr>
           </a:p>
         </p:txBody>
       </p:sp>
@@ -18965,14 +18399,11 @@
           <a:lstStyle/>
           <a:p>
             <a:r>
-              <a:rPr lang="es-CO" sz="1333" dirty="0" smtClean="0">
+              <a:rPr lang="es-CO" sz="1333" dirty="0">
                 <a:latin typeface="Arial Rounded MT Bold" panose="020F0704030504030204" pitchFamily="34" charset="0"/>
               </a:rPr>
               <a:t>SEGUIMIENTO Y CONTROL</a:t>
             </a:r>
-            <a:endParaRPr lang="es-CO" sz="1333" dirty="0">
-              <a:latin typeface="Arial Rounded MT Bold" panose="020F0704030504030204" pitchFamily="34" charset="0"/>
-            </a:endParaRPr>
           </a:p>
         </p:txBody>
       </p:sp>
@@ -19005,14 +18436,11 @@
           <a:lstStyle/>
           <a:p>
             <a:r>
-              <a:rPr lang="es-CO" sz="1333" dirty="0" smtClean="0">
+              <a:rPr lang="es-CO" sz="1333" dirty="0">
                 <a:latin typeface="Arial Rounded MT Bold" panose="020F0704030504030204" pitchFamily="34" charset="0"/>
               </a:rPr>
               <a:t>CIERRE</a:t>
             </a:r>
-            <a:endParaRPr lang="es-CO" sz="1333" dirty="0">
-              <a:latin typeface="Arial Rounded MT Bold" panose="020F0704030504030204" pitchFamily="34" charset="0"/>
-            </a:endParaRPr>
           </a:p>
         </p:txBody>
       </p:sp>
@@ -19316,9 +18744,6 @@
               </a:rPr>
               <a:t>LEVANTAMIENTO DE NECESIDADES DE LOS ELEMENTOS POR UDS</a:t>
             </a:r>
-            <a:endParaRPr lang="es-CO" sz="1333" dirty="0">
-              <a:latin typeface="Arial Rounded MT Bold" panose="020F0704030504030204" pitchFamily="34" charset="0"/>
-            </a:endParaRPr>
           </a:p>
         </p:txBody>
       </p:sp>
@@ -19448,9 +18873,6 @@
               </a:rPr>
               <a:t>PROCESOS CONTRACTUALES DE COMPRA</a:t>
             </a:r>
-            <a:endParaRPr lang="es-CO" sz="1333" dirty="0">
-              <a:latin typeface="Arial Rounded MT Bold" panose="020F0704030504030204" pitchFamily="34" charset="0"/>
-            </a:endParaRPr>
           </a:p>
         </p:txBody>
       </p:sp>
@@ -19580,9 +19002,6 @@
               </a:rPr>
               <a:t>ENTREGA EN SITIO (UDS)</a:t>
             </a:r>
-            <a:endParaRPr lang="es-CO" sz="1333" dirty="0">
-              <a:latin typeface="Arial Rounded MT Bold" panose="020F0704030504030204" pitchFamily="34" charset="0"/>
-            </a:endParaRPr>
           </a:p>
         </p:txBody>
       </p:sp>
@@ -19715,9 +19134,6 @@
               </a:rPr>
               <a:t>INGRESO AL INVENTARIO DEL ICBF</a:t>
             </a:r>
-            <a:endParaRPr lang="it-IT" sz="1200" dirty="0">
-              <a:latin typeface="Arial Rounded MT Bold" panose="020F0704030504030204" pitchFamily="34" charset="0"/>
-            </a:endParaRPr>
           </a:p>
         </p:txBody>
       </p:sp>
@@ -19795,7 +19211,7 @@
               </a:lnSpc>
             </a:pPr>
             <a:r>
-              <a:rPr lang="en-US" sz="2800" b="1" dirty="0" smtClean="0">
+              <a:rPr lang="en-US" sz="2800" b="1" dirty="0">
                 <a:solidFill>
                   <a:srgbClr val="346232"/>
                 </a:solidFill>
@@ -19803,12 +19219,6 @@
               </a:rPr>
               <a:t>ETAPAS Y FASES DE PROYECTO</a:t>
             </a:r>
-            <a:endParaRPr lang="en-US" sz="2800" b="1" dirty="0">
-              <a:solidFill>
-                <a:srgbClr val="346232"/>
-              </a:solidFill>
-              <a:latin typeface="Arial Rounded MT Bold" panose="020F0704030504030204" pitchFamily="34" charset="0"/>
-            </a:endParaRPr>
           </a:p>
         </p:txBody>
       </p:sp>
@@ -19841,14 +19251,11 @@
           <a:lstStyle/>
           <a:p>
             <a:r>
-              <a:rPr lang="es-CO" sz="1333" dirty="0" smtClean="0">
+              <a:rPr lang="es-CO" sz="1333" dirty="0">
                 <a:latin typeface="Arial Rounded MT Bold" panose="020F0704030504030204" pitchFamily="34" charset="0"/>
               </a:rPr>
               <a:t>INICIO</a:t>
             </a:r>
-            <a:endParaRPr lang="es-CO" sz="1333" dirty="0">
-              <a:latin typeface="Arial Rounded MT Bold" panose="020F0704030504030204" pitchFamily="34" charset="0"/>
-            </a:endParaRPr>
           </a:p>
         </p:txBody>
       </p:sp>
@@ -19881,14 +19288,11 @@
           <a:lstStyle/>
           <a:p>
             <a:r>
-              <a:rPr lang="es-CO" sz="1333" dirty="0" smtClean="0">
+              <a:rPr lang="es-CO" sz="1333" dirty="0">
                 <a:latin typeface="Arial Rounded MT Bold" panose="020F0704030504030204" pitchFamily="34" charset="0"/>
               </a:rPr>
               <a:t>PLANEACION</a:t>
             </a:r>
-            <a:endParaRPr lang="es-CO" sz="1333" dirty="0">
-              <a:latin typeface="Arial Rounded MT Bold" panose="020F0704030504030204" pitchFamily="34" charset="0"/>
-            </a:endParaRPr>
           </a:p>
         </p:txBody>
       </p:sp>
@@ -19921,14 +19325,11 @@
           <a:lstStyle/>
           <a:p>
             <a:r>
-              <a:rPr lang="es-CO" sz="1333" dirty="0" smtClean="0">
+              <a:rPr lang="es-CO" sz="1333" dirty="0">
                 <a:latin typeface="Arial Rounded MT Bold" panose="020F0704030504030204" pitchFamily="34" charset="0"/>
               </a:rPr>
               <a:t>EJECUCION</a:t>
             </a:r>
-            <a:endParaRPr lang="es-CO" sz="1333" dirty="0">
-              <a:latin typeface="Arial Rounded MT Bold" panose="020F0704030504030204" pitchFamily="34" charset="0"/>
-            </a:endParaRPr>
           </a:p>
         </p:txBody>
       </p:sp>
@@ -19961,14 +19362,11 @@
           <a:lstStyle/>
           <a:p>
             <a:r>
-              <a:rPr lang="es-CO" sz="1333" dirty="0" smtClean="0">
+              <a:rPr lang="es-CO" sz="1333" dirty="0">
                 <a:latin typeface="Arial Rounded MT Bold" panose="020F0704030504030204" pitchFamily="34" charset="0"/>
               </a:rPr>
               <a:t>SEGUIMIENTO Y CONTROL</a:t>
             </a:r>
-            <a:endParaRPr lang="es-CO" sz="1333" dirty="0">
-              <a:latin typeface="Arial Rounded MT Bold" panose="020F0704030504030204" pitchFamily="34" charset="0"/>
-            </a:endParaRPr>
           </a:p>
         </p:txBody>
       </p:sp>
@@ -20001,14 +19399,11 @@
           <a:lstStyle/>
           <a:p>
             <a:r>
-              <a:rPr lang="es-CO" sz="1333" dirty="0" smtClean="0">
+              <a:rPr lang="es-CO" sz="1333" dirty="0">
                 <a:latin typeface="Arial Rounded MT Bold" panose="020F0704030504030204" pitchFamily="34" charset="0"/>
               </a:rPr>
               <a:t>CIERRE</a:t>
             </a:r>
-            <a:endParaRPr lang="es-CO" sz="1333" dirty="0">
-              <a:latin typeface="Arial Rounded MT Bold" panose="020F0704030504030204" pitchFamily="34" charset="0"/>
-            </a:endParaRPr>
           </a:p>
         </p:txBody>
       </p:sp>
